--- a/EL LIDERAZGO SEGÚN LA BIBLIA ESTE SI.pptx
+++ b/EL LIDERAZGO SEGÚN LA BIBLIA ESTE SI.pptx
@@ -318,7 +318,7 @@
           <a:p>
             <a:fld id="{C623EDBE-0969-4271-8FC8-DB84BDFC880F}" type="datetimeFigureOut">
               <a:rPr lang="es-CL" smtClean="0"/>
-              <a:t>28-12-2024</a:t>
+              <a:t>29-12-2024</a:t>
             </a:fld>
             <a:endParaRPr lang="es-CL"/>
           </a:p>
@@ -518,7 +518,7 @@
           <a:p>
             <a:fld id="{C623EDBE-0969-4271-8FC8-DB84BDFC880F}" type="datetimeFigureOut">
               <a:rPr lang="es-CL" smtClean="0"/>
-              <a:t>28-12-2024</a:t>
+              <a:t>29-12-2024</a:t>
             </a:fld>
             <a:endParaRPr lang="es-CL"/>
           </a:p>
@@ -728,7 +728,7 @@
           <a:p>
             <a:fld id="{C623EDBE-0969-4271-8FC8-DB84BDFC880F}" type="datetimeFigureOut">
               <a:rPr lang="es-CL" smtClean="0"/>
-              <a:t>28-12-2024</a:t>
+              <a:t>29-12-2024</a:t>
             </a:fld>
             <a:endParaRPr lang="es-CL"/>
           </a:p>
@@ -928,7 +928,7 @@
           <a:p>
             <a:fld id="{C623EDBE-0969-4271-8FC8-DB84BDFC880F}" type="datetimeFigureOut">
               <a:rPr lang="es-CL" smtClean="0"/>
-              <a:t>28-12-2024</a:t>
+              <a:t>29-12-2024</a:t>
             </a:fld>
             <a:endParaRPr lang="es-CL"/>
           </a:p>
@@ -1204,7 +1204,7 @@
           <a:p>
             <a:fld id="{C623EDBE-0969-4271-8FC8-DB84BDFC880F}" type="datetimeFigureOut">
               <a:rPr lang="es-CL" smtClean="0"/>
-              <a:t>28-12-2024</a:t>
+              <a:t>29-12-2024</a:t>
             </a:fld>
             <a:endParaRPr lang="es-CL"/>
           </a:p>
@@ -1472,7 +1472,7 @@
           <a:p>
             <a:fld id="{C623EDBE-0969-4271-8FC8-DB84BDFC880F}" type="datetimeFigureOut">
               <a:rPr lang="es-CL" smtClean="0"/>
-              <a:t>28-12-2024</a:t>
+              <a:t>29-12-2024</a:t>
             </a:fld>
             <a:endParaRPr lang="es-CL"/>
           </a:p>
@@ -1887,7 +1887,7 @@
           <a:p>
             <a:fld id="{C623EDBE-0969-4271-8FC8-DB84BDFC880F}" type="datetimeFigureOut">
               <a:rPr lang="es-CL" smtClean="0"/>
-              <a:t>28-12-2024</a:t>
+              <a:t>29-12-2024</a:t>
             </a:fld>
             <a:endParaRPr lang="es-CL"/>
           </a:p>
@@ -2029,7 +2029,7 @@
           <a:p>
             <a:fld id="{C623EDBE-0969-4271-8FC8-DB84BDFC880F}" type="datetimeFigureOut">
               <a:rPr lang="es-CL" smtClean="0"/>
-              <a:t>28-12-2024</a:t>
+              <a:t>29-12-2024</a:t>
             </a:fld>
             <a:endParaRPr lang="es-CL"/>
           </a:p>
@@ -2142,7 +2142,7 @@
           <a:p>
             <a:fld id="{C623EDBE-0969-4271-8FC8-DB84BDFC880F}" type="datetimeFigureOut">
               <a:rPr lang="es-CL" smtClean="0"/>
-              <a:t>28-12-2024</a:t>
+              <a:t>29-12-2024</a:t>
             </a:fld>
             <a:endParaRPr lang="es-CL"/>
           </a:p>
@@ -2455,7 +2455,7 @@
           <a:p>
             <a:fld id="{C623EDBE-0969-4271-8FC8-DB84BDFC880F}" type="datetimeFigureOut">
               <a:rPr lang="es-CL" smtClean="0"/>
-              <a:t>28-12-2024</a:t>
+              <a:t>29-12-2024</a:t>
             </a:fld>
             <a:endParaRPr lang="es-CL"/>
           </a:p>
@@ -2744,7 +2744,7 @@
           <a:p>
             <a:fld id="{C623EDBE-0969-4271-8FC8-DB84BDFC880F}" type="datetimeFigureOut">
               <a:rPr lang="es-CL" smtClean="0"/>
-              <a:t>28-12-2024</a:t>
+              <a:t>29-12-2024</a:t>
             </a:fld>
             <a:endParaRPr lang="es-CL"/>
           </a:p>
@@ -2987,7 +2987,7 @@
           <a:p>
             <a:fld id="{C623EDBE-0969-4271-8FC8-DB84BDFC880F}" type="datetimeFigureOut">
               <a:rPr lang="es-CL" smtClean="0"/>
-              <a:t>28-12-2024</a:t>
+              <a:t>29-12-2024</a:t>
             </a:fld>
             <a:endParaRPr lang="es-CL"/>
           </a:p>
@@ -14755,7 +14755,15 @@
             </a:pPr>
             <a:r>
               <a:rPr lang="es-CL" dirty="0"/>
-              <a:t>Los jefes de tribus eran personas confiables que colaboraban con el orden y manejo del orden en el pueblo. Estos hombres eran lideres de grupos dentro de la comunidad ,eran personas que ya eran re conocidas entre el pueblo</a:t>
+              <a:t>Los jefes de tribus eran personas confiables que colaboraban con el manejo del orden en el pueblo. Estos hombres eran lideres de grupos dentro de la comunidad ,eran personas que ya eran </a:t>
+            </a:r>
+            <a:r>
+              <a:rPr lang="es-CL" u="sng" dirty="0"/>
+              <a:t>reconocidas</a:t>
+            </a:r>
+            <a:r>
+              <a:rPr lang="es-CL" dirty="0"/>
+              <a:t> entre el pueblo</a:t>
             </a:r>
           </a:p>
           <a:p>
@@ -15909,7 +15917,7 @@
             </a:pPr>
             <a:r>
               <a:rPr lang="es-CL" dirty="0"/>
-              <a:t>Estos jueces no son como los típicos jueces que conocemos, sino que se llaman así porque hacen justicia entre ambas partes ,  pero dictan justicia y condena.</a:t>
+              <a:t>Estos jueces no son como los típicos jueces que conocemos, sino que se llaman así porque hacen justicia entre ambas partes,  pero dictan justicia y condena.</a:t>
             </a:r>
           </a:p>
           <a:p>
@@ -16572,15 +16580,7 @@
             </a:r>
             <a:r>
               <a:rPr lang="es-CL" sz="3200" dirty="0"/>
-              <a:t>los ancianos de </a:t>
-            </a:r>
-            <a:r>
-              <a:rPr lang="es-CL" sz="3200" dirty="0" err="1"/>
-              <a:t>Galáb</a:t>
-            </a:r>
-            <a:r>
-              <a:rPr lang="es-CL" sz="3200" dirty="0"/>
-              <a:t> fueron a buscar a Jefté para que fuera su gobernante y juez.</a:t>
+              <a:t>los ancianos de Galaad fueron a buscar a Jefté para que fuera su gobernante y juez.</a:t>
             </a:r>
           </a:p>
           <a:p>
